--- a/Morse code converter python 4th sem ppt.pptx
+++ b/Morse code converter python 4th sem ppt.pptx
@@ -268,7 +268,7 @@
       </p15:sldGuideLst>
     </p:ext>
     <p:ext uri="GoogleSlidesCustomDataVersion2">
-      <go:slidesCustomData xmlns="" xmlns:mc="http://schemas.openxmlformats.org/markup-compatibility/2006" xmlns:mv="urn:schemas-microsoft-com:mac:vml" xmlns:c="http://schemas.openxmlformats.org/drawingml/2006/chart" xmlns:dgm="http://schemas.openxmlformats.org/drawingml/2006/diagram" xmlns:o="urn:schemas-microsoft-com:office:office" xmlns:v="urn:schemas-microsoft-com:vml" xmlns:pvml="urn:schemas-microsoft-com:office:powerpoint" xmlns:com="http://schemas.openxmlformats.org/drawingml/2006/compatibility" xmlns:p14="http://schemas.microsoft.com/office/powerpoint/2010/main" xmlns:p15="http://schemas.microsoft.com/office/powerpoint/2012/main" xmlns:ahyp="http://schemas.microsoft.com/office/drawing/2018/hyperlinkcolor" xmlns:go="http://customooxmlschemas.google.com/" r:id="rId21" roundtripDataSignature="AMtx7mgKJiGMADydG8+lbaOpj+q8jiZ89Q=="/>
+      <go:slidesCustomData xmlns:go="http://customooxmlschemas.google.com/" xmlns:ahyp="http://schemas.microsoft.com/office/drawing/2018/hyperlinkcolor" xmlns:p15="http://schemas.microsoft.com/office/powerpoint/2012/main" xmlns:p14="http://schemas.microsoft.com/office/powerpoint/2010/main" xmlns:com="http://schemas.openxmlformats.org/drawingml/2006/compatibility" xmlns:pvml="urn:schemas-microsoft-com:office:powerpoint" xmlns:v="urn:schemas-microsoft-com:vml" xmlns:o="urn:schemas-microsoft-com:office:office" xmlns:dgm="http://schemas.openxmlformats.org/drawingml/2006/diagram" xmlns:c="http://schemas.openxmlformats.org/drawingml/2006/chart" xmlns:mv="urn:schemas-microsoft-com:mac:vml" xmlns:mc="http://schemas.openxmlformats.org/markup-compatibility/2006" xmlns="" r:id="rId21" roundtripDataSignature="AMtx7mgKJiGMADydG8+lbaOpj+q8jiZ89Q=="/>
     </p:ext>
   </p:extLst>
 </p:presentation>
@@ -7887,8 +7887,8 @@
         </p:nvSpPr>
         <p:spPr>
           <a:xfrm>
-            <a:off x="5023800" y="3698596"/>
-            <a:ext cx="3663000" cy="1348790"/>
+            <a:off x="4947600" y="3742838"/>
+            <a:ext cx="3663000" cy="1260305"/>
           </a:xfrm>
           <a:prstGeom prst="rect">
             <a:avLst/>
@@ -7958,7 +7958,19 @@
               <a:buFont typeface="Arial"/>
               <a:buNone/>
             </a:pPr>
-            <a:endParaRPr sz="2300" dirty="0">
+            <a:r>
+              <a:rPr lang="en-US" sz="1800" u="sng" dirty="0">
+                <a:solidFill>
+                  <a:schemeClr val="dk1"/>
+                </a:solidFill>
+                <a:latin typeface="Calibri"/>
+                <a:ea typeface="Calibri"/>
+                <a:cs typeface="Calibri"/>
+                <a:sym typeface="Calibri"/>
+              </a:rPr>
+              <a:t>Mr. Tushar</a:t>
+            </a:r>
+            <a:endParaRPr sz="1800" dirty="0">
               <a:solidFill>
                 <a:schemeClr val="dk1"/>
               </a:solidFill>
@@ -8525,23 +8537,54 @@
           </a:bodyPr>
           <a:lstStyle/>
           <a:p>
-            <a:pPr marL="0" lvl="0" indent="0" algn="l" rtl="0">
-              <a:lnSpc>
-                <a:spcPct val="100000"/>
-              </a:lnSpc>
-              <a:spcBef>
-                <a:spcPts val="360"/>
-              </a:spcBef>
-              <a:spcAft>
-                <a:spcPts val="0"/>
-              </a:spcAft>
-              <a:buSzPts val="1800"/>
+            <a:pPr marL="114300" indent="0">
               <a:buNone/>
             </a:pPr>
             <a:r>
-              <a:rPr lang="en-IN" sz="2800" dirty="0"/>
+              <a:rPr lang="en-US" sz="2400" b="1" dirty="0">
+                <a:solidFill>
+                  <a:schemeClr val="tx1">
+                    <a:lumMod val="95000"/>
+                    <a:lumOff val="5000"/>
+                  </a:schemeClr>
+                </a:solidFill>
+                <a:latin typeface="Calibri" panose="020F0502020204030204" pitchFamily="34" charset="0"/>
+                <a:ea typeface="Calibri" panose="020F0502020204030204" pitchFamily="34" charset="0"/>
+                <a:cs typeface="Calibri" panose="020F0502020204030204" pitchFamily="34" charset="0"/>
+              </a:rPr>
               <a:t>Project link-</a:t>
             </a:r>
+          </a:p>
+          <a:p>
+            <a:pPr marL="114300" indent="0">
+              <a:buNone/>
+            </a:pPr>
+            <a:r>
+              <a:rPr lang="en-US" sz="2400" b="1" dirty="0">
+                <a:solidFill>
+                  <a:schemeClr val="tx1">
+                    <a:lumMod val="95000"/>
+                    <a:lumOff val="5000"/>
+                  </a:schemeClr>
+                </a:solidFill>
+                <a:latin typeface="Calibri" panose="020F0502020204030204" pitchFamily="34" charset="0"/>
+                <a:ea typeface="Calibri" panose="020F0502020204030204" pitchFamily="34" charset="0"/>
+                <a:cs typeface="Calibri" panose="020F0502020204030204" pitchFamily="34" charset="0"/>
+              </a:rPr>
+              <a:t>https://github.com/kartik-mah/morse-code.git</a:t>
+            </a:r>
+          </a:p>
+          <a:p>
+            <a:pPr marL="114300" indent="0">
+              <a:buNone/>
+            </a:pPr>
+            <a:endParaRPr lang="en-IN" sz="2400" b="1" dirty="0">
+              <a:solidFill>
+                <a:srgbClr val="D4D4D4"/>
+              </a:solidFill>
+              <a:effectLst/>
+              <a:latin typeface="Consolas" panose="020B0609020204030204" pitchFamily="49" charset="0"/>
+            </a:endParaRPr>
           </a:p>
         </p:txBody>
       </p:sp>
